--- a/DS3/IDENTIDADE (DANIEL ALMEIDA).pptx
+++ b/DS3/IDENTIDADE (DANIEL ALMEIDA).pptx
@@ -231,7 +231,7 @@
           <a:p>
             <a:fld id="{CA1B3098-4268-4E0C-B2C6-FA2988849E1F}" type="datetimeFigureOut">
               <a:rPr lang="pt-BR" smtClean="0"/>
-              <a:t>29/02/2020</a:t>
+              <a:t>08/10/2023</a:t>
             </a:fld>
             <a:endParaRPr lang="pt-BR"/>
           </a:p>
@@ -845,7 +845,7 @@
           <a:p>
             <a:fld id="{8800438F-D2B9-4286-A113-059AA728D90B}" type="datetimeFigureOut">
               <a:rPr lang="pt-BR" smtClean="0"/>
-              <a:t>29/02/2020</a:t>
+              <a:t>08/10/2023</a:t>
             </a:fld>
             <a:endParaRPr lang="pt-BR"/>
           </a:p>
@@ -1013,7 +1013,7 @@
           <a:p>
             <a:fld id="{8800438F-D2B9-4286-A113-059AA728D90B}" type="datetimeFigureOut">
               <a:rPr lang="pt-BR" smtClean="0"/>
-              <a:t>29/02/2020</a:t>
+              <a:t>08/10/2023</a:t>
             </a:fld>
             <a:endParaRPr lang="pt-BR"/>
           </a:p>
@@ -1191,7 +1191,7 @@
           <a:p>
             <a:fld id="{8800438F-D2B9-4286-A113-059AA728D90B}" type="datetimeFigureOut">
               <a:rPr lang="pt-BR" smtClean="0"/>
-              <a:t>29/02/2020</a:t>
+              <a:t>08/10/2023</a:t>
             </a:fld>
             <a:endParaRPr lang="pt-BR"/>
           </a:p>
@@ -1359,7 +1359,7 @@
           <a:p>
             <a:fld id="{8800438F-D2B9-4286-A113-059AA728D90B}" type="datetimeFigureOut">
               <a:rPr lang="pt-BR" smtClean="0"/>
-              <a:t>29/02/2020</a:t>
+              <a:t>08/10/2023</a:t>
             </a:fld>
             <a:endParaRPr lang="pt-BR"/>
           </a:p>
@@ -1604,7 +1604,7 @@
           <a:p>
             <a:fld id="{8800438F-D2B9-4286-A113-059AA728D90B}" type="datetimeFigureOut">
               <a:rPr lang="pt-BR" smtClean="0"/>
-              <a:t>29/02/2020</a:t>
+              <a:t>08/10/2023</a:t>
             </a:fld>
             <a:endParaRPr lang="pt-BR"/>
           </a:p>
@@ -1889,7 +1889,7 @@
           <a:p>
             <a:fld id="{8800438F-D2B9-4286-A113-059AA728D90B}" type="datetimeFigureOut">
               <a:rPr lang="pt-BR" smtClean="0"/>
-              <a:t>29/02/2020</a:t>
+              <a:t>08/10/2023</a:t>
             </a:fld>
             <a:endParaRPr lang="pt-BR"/>
           </a:p>
@@ -2308,7 +2308,7 @@
           <a:p>
             <a:fld id="{8800438F-D2B9-4286-A113-059AA728D90B}" type="datetimeFigureOut">
               <a:rPr lang="pt-BR" smtClean="0"/>
-              <a:t>29/02/2020</a:t>
+              <a:t>08/10/2023</a:t>
             </a:fld>
             <a:endParaRPr lang="pt-BR"/>
           </a:p>
@@ -2425,7 +2425,7 @@
           <a:p>
             <a:fld id="{8800438F-D2B9-4286-A113-059AA728D90B}" type="datetimeFigureOut">
               <a:rPr lang="pt-BR" smtClean="0"/>
-              <a:t>29/02/2020</a:t>
+              <a:t>08/10/2023</a:t>
             </a:fld>
             <a:endParaRPr lang="pt-BR"/>
           </a:p>
@@ -2520,7 +2520,7 @@
           <a:p>
             <a:fld id="{8800438F-D2B9-4286-A113-059AA728D90B}" type="datetimeFigureOut">
               <a:rPr lang="pt-BR" smtClean="0"/>
-              <a:t>29/02/2020</a:t>
+              <a:t>08/10/2023</a:t>
             </a:fld>
             <a:endParaRPr lang="pt-BR"/>
           </a:p>
@@ -2795,7 +2795,7 @@
           <a:p>
             <a:fld id="{8800438F-D2B9-4286-A113-059AA728D90B}" type="datetimeFigureOut">
               <a:rPr lang="pt-BR" smtClean="0"/>
-              <a:t>29/02/2020</a:t>
+              <a:t>08/10/2023</a:t>
             </a:fld>
             <a:endParaRPr lang="pt-BR"/>
           </a:p>
@@ -3047,7 +3047,7 @@
           <a:p>
             <a:fld id="{8800438F-D2B9-4286-A113-059AA728D90B}" type="datetimeFigureOut">
               <a:rPr lang="pt-BR" smtClean="0"/>
-              <a:t>29/02/2020</a:t>
+              <a:t>08/10/2023</a:t>
             </a:fld>
             <a:endParaRPr lang="pt-BR"/>
           </a:p>
@@ -3258,7 +3258,7 @@
           <a:p>
             <a:fld id="{8800438F-D2B9-4286-A113-059AA728D90B}" type="datetimeFigureOut">
               <a:rPr lang="pt-BR" smtClean="0"/>
-              <a:t>29/02/2020</a:t>
+              <a:t>08/10/2023</a:t>
             </a:fld>
             <a:endParaRPr lang="pt-BR"/>
           </a:p>
